--- a/PowerPoint/AZ-305T00A-ENU-PowerPoint_06.pptx
+++ b/PowerPoint/AZ-305T00A-ENU-PowerPoint_06.pptx
@@ -232,7 +232,7 @@
           <a:p>
             <a:fld id="{9FA2EA35-1365-4E6B-BAF1-55EB702AF360}" type="datetimeFigureOut">
               <a:rPr lang="en-US" smtClean="0"/>
-              <a:t>5/10/2022</a:t>
+              <a:t>6/20/2022</a:t>
             </a:fld>
             <a:endParaRPr lang="en-US"/>
           </a:p>
@@ -4623,6 +4623,30 @@
         <p:txBody>
           <a:bodyPr/>
           <a:lstStyle/>
+          <a:p>
+            <a:r>
+              <a:rPr lang="en-US" sz="1100" b="1" u="sng" dirty="0">
+                <a:solidFill>
+                  <a:srgbClr val="FF0000"/>
+                </a:solidFill>
+                <a:effectLst/>
+                <a:highlight>
+                  <a:srgbClr val="FFFF00"/>
+                </a:highlight>
+                <a:latin typeface="Consolas" panose="020B0609020204030204" pitchFamily="49" charset="0"/>
+              </a:rPr>
+              <a:t>https://forms.office.com/r/XHgm9kDCiS</a:t>
+            </a:r>
+          </a:p>
+          <a:p>
+            <a:endParaRPr lang="en-US" sz="1100" b="0" dirty="0">
+              <a:solidFill>
+                <a:srgbClr val="000000"/>
+              </a:solidFill>
+              <a:effectLst/>
+              <a:latin typeface="Consolas" panose="020B0609020204030204" pitchFamily="49" charset="0"/>
+            </a:endParaRPr>
+          </a:p>
           <a:p>
             <a:r>
               <a:rPr lang="en-US" sz="1100" b="0" dirty="0">
